--- a/Marie Antonette Bacay/AuthenticationSlides.pptx
+++ b/Marie Antonette Bacay/AuthenticationSlides.pptx
@@ -828,10 +828,6 @@
               </a:spcAft>
               <a:buNone/>
             </a:pPr>
-            <a:r>
-              <a:rPr lang="en-US" dirty="0"/>
-              <a:t>Hi everyone. My name is Marie Antonette Bacay and this is my Spring 22 Semester project with professor yuen. And today I will be talking about authentication.</a:t>
-            </a:r>
             <a:endParaRPr dirty="0"/>
           </a:p>
         </p:txBody>
@@ -927,143 +923,6 @@
           </a:bodyPr>
           <a:lstStyle/>
           <a:p>
-            <a:pPr marL="158750" indent="0" algn="l">
-              <a:buNone/>
-            </a:pPr>
-            <a:r>
-              <a:rPr lang="en-US" b="0" i="0" u="sng" dirty="0">
-                <a:solidFill>
-                  <a:srgbClr val="401B9C"/>
-                </a:solidFill>
-                <a:effectLst/>
-                <a:latin typeface="udemy sans"/>
-              </a:rPr>
-              <a:t>Authentication is the process of verifying who a particular user is or verifying that they are, who</a:t>
-            </a:r>
-          </a:p>
-          <a:p>
-            <a:pPr marL="158750" indent="0" algn="l">
-              <a:buNone/>
-            </a:pPr>
-            <a:r>
-              <a:rPr lang="en-US" b="0" i="0" dirty="0">
-                <a:solidFill>
-                  <a:srgbClr val="1C1D1F"/>
-                </a:solidFill>
-                <a:effectLst/>
-                <a:latin typeface="udemy sans"/>
-              </a:rPr>
-              <a:t>they say they are, that they are the authentic person.</a:t>
-            </a:r>
-          </a:p>
-          <a:p>
-            <a:pPr marL="158750" indent="0" algn="l">
-              <a:buNone/>
-            </a:pPr>
-            <a:r>
-              <a:rPr lang="en-US" b="0" i="0" dirty="0">
-                <a:solidFill>
-                  <a:srgbClr val="1C1D1F"/>
-                </a:solidFill>
-                <a:effectLst/>
-                <a:latin typeface="udemy sans"/>
-              </a:rPr>
-              <a:t>So usually we'll authenticate with username and password.</a:t>
-            </a:r>
-          </a:p>
-          <a:p>
-            <a:pPr marL="158750" indent="0" algn="l">
-              <a:buNone/>
-            </a:pPr>
-            <a:r>
-              <a:rPr lang="en-US" b="0" i="0" dirty="0">
-                <a:solidFill>
-                  <a:srgbClr val="1C1D1F"/>
-                </a:solidFill>
-                <a:effectLst/>
-                <a:latin typeface="udemy sans"/>
-              </a:rPr>
-              <a:t>But there are other ways of authenticating people additional security questions like a lot of banks</a:t>
-            </a:r>
-          </a:p>
-          <a:p>
-            <a:pPr marL="158750" indent="0" algn="l">
-              <a:buNone/>
-            </a:pPr>
-            <a:r>
-              <a:rPr lang="en-US" b="0" i="0" dirty="0">
-                <a:solidFill>
-                  <a:srgbClr val="1C1D1F"/>
-                </a:solidFill>
-                <a:effectLst/>
-                <a:latin typeface="udemy sans"/>
-              </a:rPr>
-              <a:t>use that facial recognition, you know, fingerprints.</a:t>
-            </a:r>
-          </a:p>
-          <a:p>
-            <a:pPr marL="158750" indent="0" algn="l">
-              <a:buNone/>
-            </a:pPr>
-            <a:r>
-              <a:rPr lang="en-US" b="0" i="0" dirty="0">
-                <a:solidFill>
-                  <a:srgbClr val="1C1D1F"/>
-                </a:solidFill>
-                <a:effectLst/>
-                <a:latin typeface="udemy sans"/>
-              </a:rPr>
-              <a:t>There are many ways of authenticating somebody's identity.</a:t>
-            </a:r>
-          </a:p>
-          <a:p>
-            <a:pPr marL="158750" indent="0" algn="l">
-              <a:buNone/>
-            </a:pPr>
-            <a:r>
-              <a:rPr lang="en-US" b="0" i="0" dirty="0">
-                <a:solidFill>
-                  <a:srgbClr val="1C1D1F"/>
-                </a:solidFill>
-                <a:effectLst/>
-                <a:latin typeface="udemy sans"/>
-              </a:rPr>
-              <a:t>So that's the first step.</a:t>
-            </a:r>
-          </a:p>
-          <a:p>
-            <a:pPr marL="158750" indent="0" algn="l">
-              <a:buNone/>
-            </a:pPr>
-            <a:r>
-              <a:rPr lang="en-US" b="0" i="0" dirty="0">
-                <a:solidFill>
-                  <a:srgbClr val="1C1D1F"/>
-                </a:solidFill>
-                <a:effectLst/>
-                <a:latin typeface="udemy sans"/>
-              </a:rPr>
-              <a:t>Just being able to know who somebody is, that's authentication.</a:t>
-            </a:r>
-            <a:r>
-              <a:rPr lang="en-US" b="0" i="0" u="sng" dirty="0">
-                <a:solidFill>
-                  <a:srgbClr val="401B9C"/>
-                </a:solidFill>
-                <a:effectLst/>
-                <a:latin typeface="udemy sans"/>
-              </a:rPr>
-              <a:t> But there's a lot that goes into successfully authenticating somebody and safely storing information.</a:t>
-            </a:r>
-            <a:endParaRPr lang="en-US" b="0" i="0" dirty="0">
-              <a:solidFill>
-                <a:srgbClr val="1C1D1F"/>
-              </a:solidFill>
-              <a:effectLst/>
-              <a:latin typeface="udemy sans"/>
-            </a:endParaRPr>
-          </a:p>
-          <a:p>
             <a:pPr marL="0" lvl="0" indent="0" algn="l" rtl="0">
               <a:spcBef>
                 <a:spcPts val="0"/>
@@ -1167,306 +1026,6 @@
             <a:noAutofit/>
           </a:bodyPr>
           <a:lstStyle/>
-          <a:p>
-            <a:pPr marL="158750" indent="0" algn="l">
-              <a:buNone/>
-            </a:pPr>
-            <a:r>
-              <a:rPr lang="en-US" b="0" i="0" u="sng" dirty="0">
-                <a:solidFill>
-                  <a:srgbClr val="401B9C"/>
-                </a:solidFill>
-                <a:effectLst/>
-                <a:latin typeface="udemy sans"/>
-              </a:rPr>
-              <a:t>first thing I need to talk about is how we store passwords, right.</a:t>
-            </a:r>
-          </a:p>
-          <a:p>
-            <a:pPr marL="158750" indent="0" algn="l">
-              <a:buNone/>
-            </a:pPr>
-            <a:r>
-              <a:rPr lang="en-US" b="0" i="0" dirty="0">
-                <a:solidFill>
-                  <a:srgbClr val="1C1D1F"/>
-                </a:solidFill>
-                <a:effectLst/>
-                <a:latin typeface="udemy sans"/>
-              </a:rPr>
-              <a:t>We have to store somebody's username if we're registering users with, you know, a username and password</a:t>
-            </a:r>
-          </a:p>
-          <a:p>
-            <a:pPr marL="158750" indent="0" algn="l">
-              <a:buNone/>
-            </a:pPr>
-            <a:r>
-              <a:rPr lang="en-US" b="0" i="0" dirty="0">
-                <a:solidFill>
-                  <a:srgbClr val="1C1D1F"/>
-                </a:solidFill>
-                <a:effectLst/>
-                <a:latin typeface="udemy sans"/>
-              </a:rPr>
-              <a:t>or in the case of Facebook, its email slash phone number and password.</a:t>
-            </a:r>
-          </a:p>
-          <a:p>
-            <a:pPr marL="158750" indent="0" algn="l">
-              <a:buNone/>
-            </a:pPr>
-            <a:r>
-              <a:rPr lang="en-US" b="0" i="0" dirty="0">
-                <a:solidFill>
-                  <a:srgbClr val="1C1D1F"/>
-                </a:solidFill>
-                <a:effectLst/>
-                <a:latin typeface="udemy sans"/>
-              </a:rPr>
-              <a:t>But we need something to look you up by in the database.</a:t>
-            </a:r>
-          </a:p>
-          <a:p>
-            <a:pPr marL="158750" indent="0" algn="l">
-              <a:buNone/>
-            </a:pPr>
-            <a:r>
-              <a:rPr lang="en-US" b="0" i="0" dirty="0">
-                <a:solidFill>
-                  <a:srgbClr val="1C1D1F"/>
-                </a:solidFill>
-                <a:effectLst/>
-                <a:latin typeface="udemy sans"/>
-              </a:rPr>
-              <a:t>Let's just call it username and then we need a password.</a:t>
-            </a:r>
-          </a:p>
-          <a:p>
-            <a:pPr marL="158750" indent="0" algn="l">
-              <a:buNone/>
-            </a:pPr>
-            <a:r>
-              <a:rPr lang="en-US" b="0" i="0" dirty="0">
-                <a:solidFill>
-                  <a:srgbClr val="1C1D1F"/>
-                </a:solidFill>
-                <a:effectLst/>
-                <a:latin typeface="udemy sans"/>
-              </a:rPr>
-              <a:t>OK, so the first thing that you have to understand and that you have to always remember is to never</a:t>
-            </a:r>
-          </a:p>
-          <a:p>
-            <a:pPr marL="158750" indent="0" algn="l">
-              <a:buNone/>
-            </a:pPr>
-            <a:r>
-              <a:rPr lang="en-US" b="0" i="0" dirty="0">
-                <a:solidFill>
-                  <a:srgbClr val="1C1D1F"/>
-                </a:solidFill>
-                <a:effectLst/>
-                <a:latin typeface="udemy sans"/>
-              </a:rPr>
-              <a:t>store passwords in text.</a:t>
-            </a:r>
-          </a:p>
-          <a:p>
-            <a:pPr marL="158750" indent="0" algn="l">
-              <a:buNone/>
-            </a:pPr>
-            <a:r>
-              <a:rPr lang="en-US" b="0" i="0" dirty="0">
-                <a:solidFill>
-                  <a:srgbClr val="1C1D1F"/>
-                </a:solidFill>
-                <a:effectLst/>
-                <a:latin typeface="udemy sans"/>
-              </a:rPr>
-              <a:t>So never just your password as is in your database.</a:t>
-            </a:r>
-          </a:p>
-          <a:p>
-            <a:pPr marL="158750" indent="0" algn="l">
-              <a:buNone/>
-            </a:pPr>
-            <a:r>
-              <a:rPr lang="en-US" b="0" i="0" dirty="0">
-                <a:solidFill>
-                  <a:srgbClr val="1C1D1F"/>
-                </a:solidFill>
-                <a:effectLst/>
-                <a:latin typeface="udemy sans"/>
-              </a:rPr>
-              <a:t>That is a recipe for disaster.</a:t>
-            </a:r>
-          </a:p>
-          <a:p>
-            <a:pPr marL="158750" indent="0" algn="l">
-              <a:buNone/>
-            </a:pPr>
-            <a:r>
-              <a:rPr lang="en-US" b="0" i="0" dirty="0">
-                <a:solidFill>
-                  <a:srgbClr val="1C1D1F"/>
-                </a:solidFill>
-                <a:effectLst/>
-                <a:latin typeface="udemy sans"/>
-              </a:rPr>
-              <a:t>Just as an example for I mean, you know, don't have whether it's a Mongo database or post or some</a:t>
-            </a:r>
-          </a:p>
-          <a:p>
-            <a:pPr marL="158750" indent="0" algn="l">
-              <a:buNone/>
-            </a:pPr>
-            <a:r>
-              <a:rPr lang="en-US" b="0" i="0" dirty="0">
-                <a:solidFill>
-                  <a:srgbClr val="1C1D1F"/>
-                </a:solidFill>
-                <a:effectLst/>
-                <a:latin typeface="udemy sans"/>
-              </a:rPr>
-              <a:t>other secret database, it doesn't matter.</a:t>
-            </a:r>
-          </a:p>
-          <a:p>
-            <a:pPr marL="158750" indent="0" algn="l">
-              <a:buNone/>
-            </a:pPr>
-            <a:r>
-              <a:rPr lang="en-US" b="0" i="0" dirty="0">
-                <a:solidFill>
-                  <a:srgbClr val="1C1D1F"/>
-                </a:solidFill>
-                <a:effectLst/>
-                <a:latin typeface="udemy sans"/>
-              </a:rPr>
-              <a:t>But in this case, imagine this is Mongo never store a password as the password is, never serve the</a:t>
-            </a:r>
-          </a:p>
-          <a:p>
-            <a:pPr marL="158750" indent="0" algn="l">
-              <a:buNone/>
-            </a:pPr>
-            <a:r>
-              <a:rPr lang="en-US" b="0" i="0" dirty="0">
-                <a:solidFill>
-                  <a:srgbClr val="1C1D1F"/>
-                </a:solidFill>
-                <a:effectLst/>
-                <a:latin typeface="udemy sans"/>
-              </a:rPr>
-              <a:t>password itself.</a:t>
-            </a:r>
-          </a:p>
-          <a:p>
-            <a:pPr marL="158750" indent="0" algn="l">
-              <a:buNone/>
-            </a:pPr>
-            <a:r>
-              <a:rPr lang="en-US" b="0" i="0" dirty="0">
-                <a:solidFill>
-                  <a:srgbClr val="1C1D1F"/>
-                </a:solidFill>
-                <a:effectLst/>
-                <a:latin typeface="udemy sans"/>
-              </a:rPr>
-              <a:t>There's a couple of reasons.</a:t>
-            </a:r>
-          </a:p>
-          <a:p>
-            <a:pPr marL="158750" indent="0" algn="l">
-              <a:buNone/>
-            </a:pPr>
-            <a:r>
-              <a:rPr lang="en-US" b="0" i="0" dirty="0">
-                <a:solidFill>
-                  <a:srgbClr val="1C1D1F"/>
-                </a:solidFill>
-                <a:effectLst/>
-                <a:latin typeface="udemy sans"/>
-              </a:rPr>
-              <a:t>But the main one is that if anyone gets your database, you're just absolutely screwed.</a:t>
-            </a:r>
-          </a:p>
-          <a:p>
-            <a:pPr marL="158750" indent="0" algn="l">
-              <a:buNone/>
-            </a:pPr>
-            <a:r>
-              <a:rPr lang="en-US" b="0" i="0" dirty="0">
-                <a:solidFill>
-                  <a:srgbClr val="1C1D1F"/>
-                </a:solidFill>
-                <a:effectLst/>
-                <a:latin typeface="udemy sans"/>
-              </a:rPr>
-              <a:t>Not to mention the fact that a lot of users, probably the vast majority, reuse passwords from one</a:t>
-            </a:r>
-          </a:p>
-          <a:p>
-            <a:pPr marL="158750" indent="0" algn="l">
-              <a:buNone/>
-            </a:pPr>
-            <a:r>
-              <a:rPr lang="en-US" b="0" i="0" dirty="0">
-                <a:solidFill>
-                  <a:srgbClr val="1C1D1F"/>
-                </a:solidFill>
-                <a:effectLst/>
-                <a:latin typeface="udemy sans"/>
-              </a:rPr>
-              <a:t>app to the next.</a:t>
-            </a:r>
-          </a:p>
-          <a:p>
-            <a:pPr marL="158750" indent="0" algn="l">
-              <a:buNone/>
-            </a:pPr>
-            <a:r>
-              <a:rPr lang="en-US" b="0" i="0" dirty="0">
-                <a:solidFill>
-                  <a:srgbClr val="1C1D1F"/>
-                </a:solidFill>
-                <a:effectLst/>
-                <a:latin typeface="udemy sans"/>
-              </a:rPr>
-              <a:t>So if somebody has these credentials for kitty cat lover, they can go to Facebook or to, you know,</a:t>
-            </a:r>
-          </a:p>
-          <a:p>
-            <a:pPr marL="158750" indent="0" algn="l">
-              <a:buNone/>
-            </a:pPr>
-            <a:r>
-              <a:rPr lang="en-US" b="0" i="0" dirty="0">
-                <a:solidFill>
-                  <a:srgbClr val="1C1D1F"/>
-                </a:solidFill>
-                <a:effectLst/>
-                <a:latin typeface="udemy sans"/>
-              </a:rPr>
-              <a:t>PayPal or whatever it is and likely get in to at least some percentage of users accounts.</a:t>
-            </a:r>
-          </a:p>
-          <a:p>
-            <a:pPr marL="158750" indent="0" algn="l">
-              <a:buNone/>
-            </a:pPr>
-            <a:r>
-              <a:rPr lang="en-US" b="0" i="0" dirty="0">
-                <a:solidFill>
-                  <a:srgbClr val="1C1D1F"/>
-                </a:solidFill>
-                <a:effectLst/>
-                <a:latin typeface="udemy sans"/>
-              </a:rPr>
-              <a:t>So it's a disaster.</a:t>
-            </a:r>
-          </a:p>
           <a:p>
             <a:pPr marL="0" lvl="0" indent="0" algn="l" rtl="0">
               <a:spcBef>
@@ -1575,76 +1134,13 @@
             <a:pPr marL="158750" indent="0" algn="l">
               <a:buNone/>
             </a:pPr>
-            <a:r>
-              <a:rPr lang="en-US" b="0" i="0" dirty="0">
-                <a:solidFill>
-                  <a:srgbClr val="1C1D1F"/>
-                </a:solidFill>
-                <a:effectLst/>
-                <a:latin typeface="udemy sans"/>
-              </a:rPr>
-              <a:t>So what do we do instead.</a:t>
-            </a:r>
-          </a:p>
-          <a:p>
-            <a:pPr marL="158750" indent="0" algn="l">
-              <a:buNone/>
-            </a:pPr>
-            <a:r>
-              <a:rPr lang="en-US" b="0" i="0" dirty="0">
-                <a:solidFill>
-                  <a:srgbClr val="1C1D1F"/>
-                </a:solidFill>
-                <a:effectLst/>
-                <a:latin typeface="udemy sans"/>
-              </a:rPr>
-              <a:t>Well we hash the password so instead of storing the password directly in the database as text, we run</a:t>
-            </a:r>
-          </a:p>
-          <a:p>
-            <a:pPr marL="158750" indent="0" algn="l">
-              <a:buNone/>
-            </a:pPr>
-            <a:r>
-              <a:rPr lang="en-US" b="0" i="0" dirty="0">
-                <a:solidFill>
-                  <a:srgbClr val="1C1D1F"/>
-                </a:solidFill>
-                <a:effectLst/>
-                <a:latin typeface="udemy sans"/>
-              </a:rPr>
-              <a:t>the password through something called a hashing function.</a:t>
-            </a:r>
-          </a:p>
-          <a:p>
-            <a:pPr marL="158750" indent="0" algn="l">
-              <a:buNone/>
-            </a:pPr>
-            <a:r>
-              <a:rPr lang="en-US" b="0" i="0" dirty="0">
-                <a:solidFill>
-                  <a:srgbClr val="1C1D1F"/>
-                </a:solidFill>
-                <a:effectLst/>
-                <a:latin typeface="udemy sans"/>
-              </a:rPr>
-              <a:t>Then we take the result of that hashing function and we store that in the database.</a:t>
-            </a:r>
-          </a:p>
-          <a:p>
-            <a:pPr marL="158750" indent="0" algn="l">
-              <a:buNone/>
-            </a:pPr>
-            <a:r>
-              <a:rPr lang="en-US" b="0" i="0" dirty="0">
-                <a:solidFill>
-                  <a:srgbClr val="1C1D1F"/>
-                </a:solidFill>
-                <a:effectLst/>
-                <a:latin typeface="udemy sans"/>
-              </a:rPr>
-              <a:t>And this is really, really important to understand.</a:t>
-            </a:r>
+            <a:endParaRPr lang="en-US" b="0" i="0" dirty="0">
+              <a:solidFill>
+                <a:srgbClr val="1C1D1F"/>
+              </a:solidFill>
+              <a:effectLst/>
+              <a:latin typeface="udemy sans"/>
+            </a:endParaRPr>
           </a:p>
         </p:txBody>
       </p:sp>
@@ -1743,216 +1239,6 @@
             <a:noAutofit/>
           </a:bodyPr>
           <a:lstStyle/>
-          <a:p>
-            <a:pPr marL="158750" indent="0" algn="l">
-              <a:buNone/>
-            </a:pPr>
-            <a:r>
-              <a:rPr lang="en-US" b="0" i="0" dirty="0">
-                <a:solidFill>
-                  <a:srgbClr val="1C1D1F"/>
-                </a:solidFill>
-                <a:effectLst/>
-                <a:latin typeface="udemy sans"/>
-              </a:rPr>
-              <a:t>We never store the plaintext password like I love chickens.</a:t>
-            </a:r>
-          </a:p>
-          <a:p>
-            <a:pPr marL="158750" indent="0" algn="l">
-              <a:buNone/>
-            </a:pPr>
-            <a:r>
-              <a:rPr lang="en-US" b="0" i="0" dirty="0">
-                <a:solidFill>
-                  <a:srgbClr val="1C1D1F"/>
-                </a:solidFill>
-                <a:effectLst/>
-                <a:latin typeface="udemy sans"/>
-              </a:rPr>
-              <a:t>We're going to store something that kind of looks like this over here, doesn't look exactly like this</a:t>
-            </a:r>
-          </a:p>
-          <a:p>
-            <a:pPr marL="158750" indent="0" algn="l">
-              <a:buNone/>
-            </a:pPr>
-            <a:r>
-              <a:rPr lang="en-US" b="0" i="0" dirty="0">
-                <a:solidFill>
-                  <a:srgbClr val="1C1D1F"/>
-                </a:solidFill>
-                <a:effectLst/>
-                <a:latin typeface="udemy sans"/>
-              </a:rPr>
-              <a:t>the way we're going to do it.</a:t>
-            </a:r>
-          </a:p>
-          <a:p>
-            <a:pPr marL="158750" indent="0" algn="l">
-              <a:buNone/>
-            </a:pPr>
-            <a:r>
-              <a:rPr lang="en-US" b="0" i="0" dirty="0">
-                <a:solidFill>
-                  <a:srgbClr val="1C1D1F"/>
-                </a:solidFill>
-                <a:effectLst/>
-                <a:latin typeface="udemy sans"/>
-              </a:rPr>
-              <a:t>But we store some very weird, impossible to understand output from a hashing function.</a:t>
-            </a:r>
-          </a:p>
-          <a:p>
-            <a:pPr marL="158750" indent="0" algn="l">
-              <a:buNone/>
-            </a:pPr>
-            <a:r>
-              <a:rPr lang="en-US" b="0" i="0" dirty="0">
-                <a:solidFill>
-                  <a:srgbClr val="1C1D1F"/>
-                </a:solidFill>
-                <a:effectLst/>
-                <a:latin typeface="udemy sans"/>
-              </a:rPr>
-              <a:t>So what exactly is a hashing function?</a:t>
-            </a:r>
-          </a:p>
-          <a:p>
-            <a:pPr marL="158750" indent="0" algn="l">
-              <a:buNone/>
-            </a:pPr>
-            <a:r>
-              <a:rPr lang="en-US" b="0" i="0" dirty="0">
-                <a:solidFill>
-                  <a:srgbClr val="1C1D1F"/>
-                </a:solidFill>
-                <a:effectLst/>
-                <a:latin typeface="udemy sans"/>
-              </a:rPr>
-              <a:t>Well, the broad definition is that hashing functions are just functions in general, not specific to</a:t>
-            </a:r>
-          </a:p>
-          <a:p>
-            <a:pPr marL="158750" indent="0" algn="l">
-              <a:buNone/>
-            </a:pPr>
-            <a:r>
-              <a:rPr lang="en-US" b="0" i="0" dirty="0">
-                <a:solidFill>
-                  <a:srgbClr val="1C1D1F"/>
-                </a:solidFill>
-                <a:effectLst/>
-                <a:latin typeface="udemy sans"/>
-              </a:rPr>
-              <a:t>JavaScript or Python or anything, but they're functions that take some input data of arbitrary size.</a:t>
-            </a:r>
-          </a:p>
-          <a:p>
-            <a:pPr marL="158750" indent="0" algn="l">
-              <a:buNone/>
-            </a:pPr>
-            <a:r>
-              <a:rPr lang="en-US" b="0" i="0" u="sng" dirty="0">
-                <a:solidFill>
-                  <a:srgbClr val="401B9C"/>
-                </a:solidFill>
-                <a:effectLst/>
-                <a:latin typeface="udemy sans"/>
-              </a:rPr>
-              <a:t>So it could be a large string, a small string, or it's usually not strings.</a:t>
-            </a:r>
-          </a:p>
-          <a:p>
-            <a:pPr marL="158750" indent="0" algn="l">
-              <a:buNone/>
-            </a:pPr>
-            <a:r>
-              <a:rPr lang="en-US" b="0" i="0" dirty="0">
-                <a:solidFill>
-                  <a:srgbClr val="1C1D1F"/>
-                </a:solidFill>
-                <a:effectLst/>
-                <a:latin typeface="udemy sans"/>
-              </a:rPr>
-              <a:t>Usually it's some amount of memory.</a:t>
-            </a:r>
-          </a:p>
-          <a:p>
-            <a:pPr marL="158750" indent="0" algn="l">
-              <a:buNone/>
-            </a:pPr>
-            <a:r>
-              <a:rPr lang="en-US" b="0" i="0" dirty="0">
-                <a:solidFill>
-                  <a:srgbClr val="1C1D1F"/>
-                </a:solidFill>
-                <a:effectLst/>
-                <a:latin typeface="udemy sans"/>
-              </a:rPr>
-              <a:t>But anyways, it takes some arbitrary sized input and it spits out a fixed sized output.</a:t>
-            </a:r>
-          </a:p>
-          <a:p>
-            <a:pPr marL="158750" indent="0" algn="l">
-              <a:buNone/>
-            </a:pPr>
-            <a:r>
-              <a:rPr lang="en-US" b="0" i="0" dirty="0">
-                <a:solidFill>
-                  <a:srgbClr val="1C1D1F"/>
-                </a:solidFill>
-                <a:effectLst/>
-                <a:latin typeface="udemy sans"/>
-              </a:rPr>
-              <a:t>So these two outputs are exactly the same size in memory, but they're not the same string of numbers</a:t>
-            </a:r>
-          </a:p>
-          <a:p>
-            <a:pPr marL="158750" indent="0" algn="l">
-              <a:buNone/>
-            </a:pPr>
-            <a:r>
-              <a:rPr lang="en-US" b="0" i="0" dirty="0">
-                <a:solidFill>
-                  <a:srgbClr val="1C1D1F"/>
-                </a:solidFill>
-                <a:effectLst/>
-                <a:latin typeface="udemy sans"/>
-              </a:rPr>
-              <a:t>We get two radically different looking outputs from that input and this is what we store in the database,</a:t>
-            </a:r>
-          </a:p>
-          <a:p>
-            <a:pPr marL="158750" indent="0" algn="l">
-              <a:buNone/>
-            </a:pPr>
-            <a:r>
-              <a:rPr lang="en-US" b="0" i="0" dirty="0">
-                <a:solidFill>
-                  <a:srgbClr val="1C1D1F"/>
-                </a:solidFill>
-                <a:effectLst/>
-                <a:latin typeface="udemy sans"/>
-              </a:rPr>
-              <a:t>so we never store the password.</a:t>
-            </a:r>
-          </a:p>
-          <a:p>
-            <a:pPr marL="158750" indent="0" algn="l">
-              <a:buNone/>
-            </a:pPr>
-            <a:r>
-              <a:rPr lang="en-US" b="0" i="0" u="sng" dirty="0">
-                <a:solidFill>
-                  <a:srgbClr val="401B9C"/>
-                </a:solidFill>
-                <a:effectLst/>
-                <a:latin typeface="udemy sans"/>
-              </a:rPr>
-              <a:t>So here's how it works.</a:t>
-            </a:r>
-          </a:p>
           <a:p>
             <a:pPr marL="0" lvl="0" indent="0" algn="l" rtl="0">
               <a:spcBef>
@@ -2062,441 +1348,6 @@
             <a:noAutofit/>
           </a:bodyPr>
           <a:lstStyle/>
-          <a:p>
-            <a:pPr marL="158750" indent="0" algn="l">
-              <a:buNone/>
-            </a:pPr>
-            <a:r>
-              <a:rPr lang="en-US" b="0" i="0" dirty="0">
-                <a:solidFill>
-                  <a:srgbClr val="1C1D1F"/>
-                </a:solidFill>
-                <a:effectLst/>
-                <a:latin typeface="udemy sans"/>
-              </a:rPr>
-              <a:t>If this is our database over here where we have username and password, but we're not storing the password,</a:t>
-            </a:r>
-          </a:p>
-          <a:p>
-            <a:pPr marL="158750" indent="0" algn="l">
-              <a:buNone/>
-            </a:pPr>
-            <a:r>
-              <a:rPr lang="en-US" b="0" i="0" dirty="0">
-                <a:solidFill>
-                  <a:srgbClr val="1C1D1F"/>
-                </a:solidFill>
-                <a:effectLst/>
-                <a:latin typeface="udemy sans"/>
-              </a:rPr>
-              <a:t>we're storing the hash version of the password.</a:t>
-            </a:r>
-          </a:p>
-          <a:p>
-            <a:pPr marL="158750" indent="0" algn="l">
-              <a:buNone/>
-            </a:pPr>
-            <a:r>
-              <a:rPr lang="en-US" b="0" i="0" dirty="0">
-                <a:solidFill>
-                  <a:srgbClr val="1C1D1F"/>
-                </a:solidFill>
-                <a:effectLst/>
-                <a:latin typeface="udemy sans"/>
-              </a:rPr>
-              <a:t>When somebody goes to log in, let's say </a:t>
-            </a:r>
-            <a:r>
-              <a:rPr lang="en-US" b="0" i="0" dirty="0" err="1">
-                <a:solidFill>
-                  <a:srgbClr val="1C1D1F"/>
-                </a:solidFill>
-                <a:effectLst/>
-                <a:latin typeface="udemy sans"/>
-              </a:rPr>
-              <a:t>geko</a:t>
-            </a:r>
-            <a:r>
-              <a:rPr lang="en-US" b="0" i="0" dirty="0">
-                <a:solidFill>
-                  <a:srgbClr val="1C1D1F"/>
-                </a:solidFill>
-                <a:effectLst/>
-                <a:latin typeface="udemy sans"/>
-              </a:rPr>
-              <a:t> guy with password of </a:t>
-            </a:r>
-            <a:r>
-              <a:rPr lang="en-US" b="0" i="0" dirty="0" err="1">
-                <a:solidFill>
-                  <a:srgbClr val="1C1D1F"/>
-                </a:solidFill>
-                <a:effectLst/>
-                <a:latin typeface="udemy sans"/>
-              </a:rPr>
-              <a:t>Lizzard</a:t>
-            </a:r>
-            <a:r>
-              <a:rPr lang="en-US" b="0" i="0" dirty="0">
-                <a:solidFill>
-                  <a:srgbClr val="1C1D1F"/>
-                </a:solidFill>
-                <a:effectLst/>
-                <a:latin typeface="udemy sans"/>
-              </a:rPr>
-              <a:t> 987, well, we don't just</a:t>
-            </a:r>
-          </a:p>
-          <a:p>
-            <a:pPr marL="158750" indent="0" algn="l">
-              <a:buNone/>
-            </a:pPr>
-            <a:r>
-              <a:rPr lang="en-US" b="0" i="0" dirty="0">
-                <a:solidFill>
-                  <a:srgbClr val="1C1D1F"/>
-                </a:solidFill>
-                <a:effectLst/>
-                <a:latin typeface="udemy sans"/>
-              </a:rPr>
-              <a:t>look to see for </a:t>
-            </a:r>
-            <a:r>
-              <a:rPr lang="en-US" b="0" i="0" dirty="0" err="1">
-                <a:solidFill>
-                  <a:srgbClr val="1C1D1F"/>
-                </a:solidFill>
-                <a:effectLst/>
-                <a:latin typeface="udemy sans"/>
-              </a:rPr>
-              <a:t>Geko</a:t>
-            </a:r>
-            <a:r>
-              <a:rPr lang="en-US" b="0" i="0" dirty="0">
-                <a:solidFill>
-                  <a:srgbClr val="1C1D1F"/>
-                </a:solidFill>
-                <a:effectLst/>
-                <a:latin typeface="udemy sans"/>
-              </a:rPr>
-              <a:t> Guy is your password </a:t>
-            </a:r>
-            <a:r>
-              <a:rPr lang="en-US" b="0" i="0" dirty="0" err="1">
-                <a:solidFill>
-                  <a:srgbClr val="1C1D1F"/>
-                </a:solidFill>
-                <a:effectLst/>
-                <a:latin typeface="udemy sans"/>
-              </a:rPr>
-              <a:t>Lizzard</a:t>
-            </a:r>
-            <a:r>
-              <a:rPr lang="en-US" b="0" i="0" dirty="0">
-                <a:solidFill>
-                  <a:srgbClr val="1C1D1F"/>
-                </a:solidFill>
-                <a:effectLst/>
-                <a:latin typeface="udemy sans"/>
-              </a:rPr>
-              <a:t> 987.</a:t>
-            </a:r>
-          </a:p>
-          <a:p>
-            <a:pPr marL="158750" indent="0" algn="l">
-              <a:buNone/>
-            </a:pPr>
-            <a:r>
-              <a:rPr lang="en-US" b="0" i="0" dirty="0">
-                <a:solidFill>
-                  <a:srgbClr val="1C1D1F"/>
-                </a:solidFill>
-                <a:effectLst/>
-                <a:latin typeface="udemy sans"/>
-              </a:rPr>
-              <a:t>No, we don't have that.</a:t>
-            </a:r>
-          </a:p>
-          <a:p>
-            <a:pPr marL="158750" indent="0" algn="l">
-              <a:buNone/>
-            </a:pPr>
-            <a:r>
-              <a:rPr lang="en-US" b="0" i="0" dirty="0">
-                <a:solidFill>
-                  <a:srgbClr val="1C1D1F"/>
-                </a:solidFill>
-                <a:effectLst/>
-                <a:latin typeface="udemy sans"/>
-              </a:rPr>
-              <a:t>We never stored that.</a:t>
-            </a:r>
-          </a:p>
-          <a:p>
-            <a:pPr marL="158750" indent="0" algn="l">
-              <a:buNone/>
-            </a:pPr>
-            <a:r>
-              <a:rPr lang="en-US" b="0" i="0" dirty="0">
-                <a:solidFill>
-                  <a:srgbClr val="1C1D1F"/>
-                </a:solidFill>
-                <a:effectLst/>
-                <a:latin typeface="udemy sans"/>
-              </a:rPr>
-              <a:t>So what do we do.</a:t>
-            </a:r>
-          </a:p>
-          <a:p>
-            <a:pPr marL="158750" indent="0" algn="l">
-              <a:buNone/>
-            </a:pPr>
-            <a:r>
-              <a:rPr lang="en-US" b="0" i="0" dirty="0">
-                <a:solidFill>
-                  <a:srgbClr val="1C1D1F"/>
-                </a:solidFill>
-                <a:effectLst/>
-                <a:latin typeface="udemy sans"/>
-              </a:rPr>
-              <a:t>We run </a:t>
-            </a:r>
-            <a:r>
-              <a:rPr lang="en-US" b="0" i="0" dirty="0" err="1">
-                <a:solidFill>
-                  <a:srgbClr val="1C1D1F"/>
-                </a:solidFill>
-                <a:effectLst/>
-                <a:latin typeface="udemy sans"/>
-              </a:rPr>
-              <a:t>Lizzard</a:t>
-            </a:r>
-            <a:r>
-              <a:rPr lang="en-US" b="0" i="0" dirty="0">
-                <a:solidFill>
-                  <a:srgbClr val="1C1D1F"/>
-                </a:solidFill>
-                <a:effectLst/>
-                <a:latin typeface="udemy sans"/>
-              </a:rPr>
-              <a:t> 987 through the same algorithm, the same hashing function that we use to store the hashed</a:t>
-            </a:r>
-          </a:p>
-          <a:p>
-            <a:pPr marL="158750" indent="0" algn="l">
-              <a:buNone/>
-            </a:pPr>
-            <a:r>
-              <a:rPr lang="en-US" b="0" i="0" dirty="0">
-                <a:solidFill>
-                  <a:srgbClr val="1C1D1F"/>
-                </a:solidFill>
-                <a:effectLst/>
-                <a:latin typeface="udemy sans"/>
-              </a:rPr>
-              <a:t>password and that gives us an output.</a:t>
-            </a:r>
-          </a:p>
-          <a:p>
-            <a:pPr marL="158750" indent="0" algn="l">
-              <a:buNone/>
-            </a:pPr>
-            <a:r>
-              <a:rPr lang="en-US" b="0" i="0" dirty="0">
-                <a:solidFill>
-                  <a:srgbClr val="1C1D1F"/>
-                </a:solidFill>
-                <a:effectLst/>
-                <a:latin typeface="udemy sans"/>
-              </a:rPr>
-              <a:t>And then we compare those two outputs and are they the same.</a:t>
-            </a:r>
-          </a:p>
-          <a:p>
-            <a:pPr marL="158750" indent="0" algn="l">
-              <a:buNone/>
-            </a:pPr>
-            <a:r>
-              <a:rPr lang="en-US" b="0" i="0" dirty="0">
-                <a:solidFill>
-                  <a:srgbClr val="1C1D1F"/>
-                </a:solidFill>
-                <a:effectLst/>
-                <a:latin typeface="udemy sans"/>
-              </a:rPr>
-              <a:t>If yes, then it's a match, you're logged in successfully, if we don't get the same output matching</a:t>
-            </a:r>
-          </a:p>
-          <a:p>
-            <a:pPr marL="158750" indent="0" algn="l">
-              <a:buNone/>
-            </a:pPr>
-            <a:r>
-              <a:rPr lang="en-US" b="0" i="0" dirty="0">
-                <a:solidFill>
-                  <a:srgbClr val="1C1D1F"/>
-                </a:solidFill>
-                <a:effectLst/>
-                <a:latin typeface="udemy sans"/>
-              </a:rPr>
-              <a:t>what we've stored in the database, incorrect.</a:t>
-            </a:r>
-          </a:p>
-          <a:p>
-            <a:pPr marL="158750" indent="0" algn="l">
-              <a:buNone/>
-            </a:pPr>
-            <a:r>
-              <a:rPr lang="en-US" b="0" i="0" dirty="0">
-                <a:solidFill>
-                  <a:srgbClr val="1C1D1F"/>
-                </a:solidFill>
-                <a:effectLst/>
-                <a:latin typeface="udemy sans"/>
-              </a:rPr>
-              <a:t>Sorry, try again.</a:t>
-            </a:r>
-          </a:p>
-          <a:p>
-            <a:pPr marL="158750" indent="0" algn="l">
-              <a:buNone/>
-            </a:pPr>
-            <a:r>
-              <a:rPr lang="en-US" b="0" i="0" dirty="0">
-                <a:solidFill>
-                  <a:srgbClr val="1C1D1F"/>
-                </a:solidFill>
-                <a:effectLst/>
-                <a:latin typeface="udemy sans"/>
-              </a:rPr>
-              <a:t>So this all hinges upon the fact that a hashing function has to always give us the exact same output</a:t>
-            </a:r>
-          </a:p>
-          <a:p>
-            <a:pPr marL="158750" indent="0" algn="l">
-              <a:buNone/>
-            </a:pPr>
-            <a:r>
-              <a:rPr lang="en-US" b="0" i="0" dirty="0">
-                <a:solidFill>
-                  <a:srgbClr val="1C1D1F"/>
-                </a:solidFill>
-                <a:effectLst/>
-                <a:latin typeface="udemy sans"/>
-              </a:rPr>
-              <a:t>for one input.</a:t>
-            </a:r>
-          </a:p>
-          <a:p>
-            <a:pPr marL="158750" indent="0" algn="l">
-              <a:buNone/>
-            </a:pPr>
-            <a:r>
-              <a:rPr lang="en-US" b="0" i="0" dirty="0">
-                <a:solidFill>
-                  <a:srgbClr val="1C1D1F"/>
-                </a:solidFill>
-                <a:effectLst/>
-                <a:latin typeface="udemy sans"/>
-              </a:rPr>
-              <a:t>So it doesn't matter when I'm doing it.</a:t>
-            </a:r>
-          </a:p>
-          <a:p>
-            <a:pPr marL="158750" indent="0" algn="l">
-              <a:buNone/>
-            </a:pPr>
-            <a:r>
-              <a:rPr lang="en-US" b="0" i="0" dirty="0">
-                <a:solidFill>
-                  <a:srgbClr val="1C1D1F"/>
-                </a:solidFill>
-                <a:effectLst/>
-                <a:latin typeface="udemy sans"/>
-              </a:rPr>
-              <a:t>But if I'm hashing </a:t>
-            </a:r>
-            <a:r>
-              <a:rPr lang="en-US" b="0" i="0" dirty="0" err="1">
-                <a:solidFill>
-                  <a:srgbClr val="1C1D1F"/>
-                </a:solidFill>
-                <a:effectLst/>
-                <a:latin typeface="udemy sans"/>
-              </a:rPr>
-              <a:t>Lizzard</a:t>
-            </a:r>
-            <a:r>
-              <a:rPr lang="en-US" b="0" i="0" dirty="0">
-                <a:solidFill>
-                  <a:srgbClr val="1C1D1F"/>
-                </a:solidFill>
-                <a:effectLst/>
-                <a:latin typeface="udemy sans"/>
-              </a:rPr>
-              <a:t> 987 and I happened, let's just say this is the actual output from our hashing</a:t>
-            </a:r>
-          </a:p>
-          <a:p>
-            <a:pPr marL="158750" indent="0" algn="l">
-              <a:buNone/>
-            </a:pPr>
-            <a:r>
-              <a:rPr lang="en-US" b="0" i="0" dirty="0">
-                <a:solidFill>
-                  <a:srgbClr val="1C1D1F"/>
-                </a:solidFill>
-                <a:effectLst/>
-                <a:latin typeface="udemy sans"/>
-              </a:rPr>
-              <a:t>function.</a:t>
-            </a:r>
-          </a:p>
-          <a:p>
-            <a:pPr marL="158750" indent="0" algn="l">
-              <a:buNone/>
-            </a:pPr>
-            <a:r>
-              <a:rPr lang="en-US" b="0" i="0" dirty="0">
-                <a:solidFill>
-                  <a:srgbClr val="1C1D1F"/>
-                </a:solidFill>
-                <a:effectLst/>
-                <a:latin typeface="udemy sans"/>
-              </a:rPr>
-              <a:t>I should always get this output for that same input.</a:t>
-            </a:r>
-          </a:p>
-          <a:p>
-            <a:pPr marL="158750" indent="0" algn="l">
-              <a:buNone/>
-            </a:pPr>
-            <a:r>
-              <a:rPr lang="en-US" b="0" i="0" u="sng" dirty="0">
-                <a:solidFill>
-                  <a:srgbClr val="401B9C"/>
-                </a:solidFill>
-                <a:effectLst/>
-                <a:latin typeface="udemy sans"/>
-              </a:rPr>
-              <a:t>And then any time someone tries to log in, we use the same hashing function, we take whatever they</a:t>
-            </a:r>
-          </a:p>
-          <a:p>
-            <a:pPr marL="158750" indent="0" algn="l">
-              <a:buNone/>
-            </a:pPr>
-            <a:r>
-              <a:rPr lang="en-US" b="0" i="0" dirty="0">
-                <a:solidFill>
-                  <a:srgbClr val="1C1D1F"/>
-                </a:solidFill>
-                <a:effectLst/>
-                <a:latin typeface="udemy sans"/>
-              </a:rPr>
-              <a:t>typed, put it through and compare.</a:t>
-            </a:r>
-          </a:p>
           <a:p>
             <a:pPr marL="0" lvl="0" indent="0" algn="l" rtl="0">
               <a:spcBef>
